--- a/STEMPDX/Starting a club/Format.pptx
+++ b/STEMPDX/Starting a club/Format.pptx
@@ -288,7 +288,7 @@
           <a:p>
             <a:fld id="{508235D7-F959-E74F-B3E8-28A2F436D439}" type="datetimeFigureOut">
               <a:rPr lang="en-US" smtClean="0"/>
-              <a:t>6/6/17</a:t>
+              <a:t>6/10/17</a:t>
             </a:fld>
             <a:endParaRPr lang="en-US"/>
           </a:p>
@@ -458,7 +458,7 @@
           <a:p>
             <a:fld id="{508235D7-F959-E74F-B3E8-28A2F436D439}" type="datetimeFigureOut">
               <a:rPr lang="en-US" smtClean="0"/>
-              <a:t>6/6/17</a:t>
+              <a:t>6/10/17</a:t>
             </a:fld>
             <a:endParaRPr lang="en-US"/>
           </a:p>
@@ -638,7 +638,7 @@
           <a:p>
             <a:fld id="{508235D7-F959-E74F-B3E8-28A2F436D439}" type="datetimeFigureOut">
               <a:rPr lang="en-US" smtClean="0"/>
-              <a:t>6/6/17</a:t>
+              <a:t>6/10/17</a:t>
             </a:fld>
             <a:endParaRPr lang="en-US"/>
           </a:p>
@@ -808,7 +808,7 @@
           <a:p>
             <a:fld id="{508235D7-F959-E74F-B3E8-28A2F436D439}" type="datetimeFigureOut">
               <a:rPr lang="en-US" smtClean="0"/>
-              <a:t>6/6/17</a:t>
+              <a:t>6/10/17</a:t>
             </a:fld>
             <a:endParaRPr lang="en-US"/>
           </a:p>
@@ -1054,7 +1054,7 @@
           <a:p>
             <a:fld id="{508235D7-F959-E74F-B3E8-28A2F436D439}" type="datetimeFigureOut">
               <a:rPr lang="en-US" smtClean="0"/>
-              <a:t>6/6/17</a:t>
+              <a:t>6/10/17</a:t>
             </a:fld>
             <a:endParaRPr lang="en-US"/>
           </a:p>
@@ -1342,7 +1342,7 @@
           <a:p>
             <a:fld id="{508235D7-F959-E74F-B3E8-28A2F436D439}" type="datetimeFigureOut">
               <a:rPr lang="en-US" smtClean="0"/>
-              <a:t>6/6/17</a:t>
+              <a:t>6/10/17</a:t>
             </a:fld>
             <a:endParaRPr lang="en-US"/>
           </a:p>
@@ -1764,7 +1764,7 @@
           <a:p>
             <a:fld id="{508235D7-F959-E74F-B3E8-28A2F436D439}" type="datetimeFigureOut">
               <a:rPr lang="en-US" smtClean="0"/>
-              <a:t>6/6/17</a:t>
+              <a:t>6/10/17</a:t>
             </a:fld>
             <a:endParaRPr lang="en-US"/>
           </a:p>
@@ -1882,7 +1882,7 @@
           <a:p>
             <a:fld id="{508235D7-F959-E74F-B3E8-28A2F436D439}" type="datetimeFigureOut">
               <a:rPr lang="en-US" smtClean="0"/>
-              <a:t>6/6/17</a:t>
+              <a:t>6/10/17</a:t>
             </a:fld>
             <a:endParaRPr lang="en-US"/>
           </a:p>
@@ -1977,7 +1977,7 @@
           <a:p>
             <a:fld id="{508235D7-F959-E74F-B3E8-28A2F436D439}" type="datetimeFigureOut">
               <a:rPr lang="en-US" smtClean="0"/>
-              <a:t>6/6/17</a:t>
+              <a:t>6/10/17</a:t>
             </a:fld>
             <a:endParaRPr lang="en-US"/>
           </a:p>
@@ -2254,7 +2254,7 @@
           <a:p>
             <a:fld id="{508235D7-F959-E74F-B3E8-28A2F436D439}" type="datetimeFigureOut">
               <a:rPr lang="en-US" smtClean="0"/>
-              <a:t>6/6/17</a:t>
+              <a:t>6/10/17</a:t>
             </a:fld>
             <a:endParaRPr lang="en-US"/>
           </a:p>
@@ -2507,7 +2507,7 @@
           <a:p>
             <a:fld id="{508235D7-F959-E74F-B3E8-28A2F436D439}" type="datetimeFigureOut">
               <a:rPr lang="en-US" smtClean="0"/>
-              <a:t>6/6/17</a:t>
+              <a:t>6/10/17</a:t>
             </a:fld>
             <a:endParaRPr lang="en-US"/>
           </a:p>
@@ -2720,7 +2720,7 @@
           <a:p>
             <a:fld id="{508235D7-F959-E74F-B3E8-28A2F436D439}" type="datetimeFigureOut">
               <a:rPr lang="en-US" smtClean="0"/>
-              <a:t>6/6/17</a:t>
+              <a:t>6/10/17</a:t>
             </a:fld>
             <a:endParaRPr lang="en-US"/>
           </a:p>
@@ -3104,14 +3104,14 @@
           <p:nvPr>
             <p:extLst>
               <p:ext uri="{D42A27DB-BD31-4B8C-83A1-F6EECF244321}">
-                <p14:modId xmlns:p14="http://schemas.microsoft.com/office/powerpoint/2010/main" val="2425113323"/>
+                <p14:modId xmlns:p14="http://schemas.microsoft.com/office/powerpoint/2010/main" val="3870473593"/>
               </p:ext>
             </p:extLst>
           </p:nvPr>
         </p:nvGraphicFramePr>
         <p:xfrm>
-          <a:off x="1" y="2"/>
-          <a:ext cx="9144000" cy="6857999"/>
+          <a:off x="1" y="1"/>
+          <a:ext cx="9144000" cy="6857998"/>
         </p:xfrm>
         <a:graphic>
           <a:graphicData uri="http://schemas.openxmlformats.org/drawingml/2006/table">
@@ -3124,7 +3124,7 @@
                 <a:gridCol w="1461300"/>
                 <a:gridCol w="5838679"/>
               </a:tblGrid>
-              <a:tr h="615513">
+              <a:tr h="691926">
                 <a:tc>
                   <a:txBody>
                     <a:bodyPr/>
@@ -3313,7 +3313,7 @@
                   <a:tcPr marL="68580" marR="68580" marT="0" marB="0"/>
                 </a:tc>
               </a:tr>
-              <a:tr h="780477">
+              <a:tr h="877370">
                 <a:tc>
                   <a:txBody>
                     <a:bodyPr/>
@@ -3387,7 +3387,7 @@
                           <a:ea typeface="ＭＳ 明朝"/>
                           <a:cs typeface="Times New Roman"/>
                         </a:rPr>
-                        <a:t>10 </a:t>
+                        <a:t>20 </a:t>
                       </a:r>
                       <a:r>
                         <a:rPr lang="en-US" sz="1200" dirty="0">
@@ -3452,7 +3452,7 @@
                   <a:tcPr marL="68580" marR="68580" marT="0" marB="0" anchor="ctr"/>
                 </a:tc>
               </a:tr>
-              <a:tr h="1499475">
+              <a:tr h="2128149">
                 <a:tc>
                   <a:txBody>
                     <a:bodyPr/>
@@ -3504,14 +3504,20 @@
                         <a:t>Feedback </a:t>
                       </a:r>
                       <a:r>
-                        <a:rPr lang="en-US" sz="1200" dirty="0">
-                          <a:effectLst/>
-                          <a:latin typeface="Cambria"/>
-                          <a:ea typeface="ＭＳ 明朝"/>
-                          <a:cs typeface="Times New Roman"/>
-                        </a:rPr>
-                        <a:t>Session</a:t>
-                      </a:r>
+                        <a:rPr lang="en-US" sz="1200" dirty="0" smtClean="0">
+                          <a:effectLst/>
+                          <a:latin typeface="Cambria"/>
+                          <a:ea typeface="ＭＳ 明朝"/>
+                          <a:cs typeface="Times New Roman"/>
+                        </a:rPr>
+                        <a:t>Session or Open Ideas</a:t>
+                      </a:r>
+                      <a:endParaRPr lang="en-US" sz="1200" dirty="0">
+                        <a:effectLst/>
+                        <a:latin typeface="Cambria"/>
+                        <a:ea typeface="ＭＳ 明朝"/>
+                        <a:cs typeface="Times New Roman"/>
+                      </a:endParaRPr>
                     </a:p>
                     <a:p>
                       <a:pPr marL="0" marR="0">
@@ -3574,7 +3580,25 @@
                           <a:ea typeface="ＭＳ 明朝"/>
                           <a:cs typeface="Times New Roman"/>
                         </a:rPr>
-                        <a:t>20 minutes</a:t>
+                        <a:t>3</a:t>
+                      </a:r>
+                      <a:r>
+                        <a:rPr lang="en-US" sz="1200" dirty="0" smtClean="0">
+                          <a:effectLst/>
+                          <a:latin typeface="Cambria"/>
+                          <a:ea typeface="ＭＳ 明朝"/>
+                          <a:cs typeface="Times New Roman"/>
+                        </a:rPr>
+                        <a:t>0 </a:t>
+                      </a:r>
+                      <a:r>
+                        <a:rPr lang="en-US" sz="1200" dirty="0">
+                          <a:effectLst/>
+                          <a:latin typeface="Cambria"/>
+                          <a:ea typeface="ＭＳ 明朝"/>
+                          <a:cs typeface="Times New Roman"/>
+                        </a:rPr>
+                        <a:t>minutes</a:t>
                       </a:r>
                     </a:p>
                     <a:p>
@@ -3606,13 +3630,22 @@
                         </a:spcAft>
                       </a:pPr>
                       <a:r>
+                        <a:rPr lang="en-US" sz="1200" smtClean="0">
+                          <a:effectLst/>
+                          <a:latin typeface="Cambria"/>
+                          <a:ea typeface="ＭＳ 明朝"/>
+                          <a:cs typeface="Times New Roman"/>
+                        </a:rPr>
+                        <a:t>5-6 </a:t>
+                      </a:r>
+                      <a:r>
                         <a:rPr lang="en-US" sz="1200" dirty="0">
                           <a:effectLst/>
                           <a:latin typeface="Cambria"/>
                           <a:ea typeface="ＭＳ 明朝"/>
                           <a:cs typeface="Times New Roman"/>
                         </a:rPr>
-                        <a:t>3-5 minutes for each person</a:t>
+                        <a:t>minutes for each person</a:t>
                       </a:r>
                     </a:p>
                   </a:txBody>
@@ -3685,8 +3718,69 @@
                           <a:ea typeface="ＭＳ 明朝"/>
                           <a:cs typeface="Times New Roman"/>
                         </a:rPr>
-                        <a:t>person must write one idea on the board.</a:t>
-                      </a:r>
+                        <a:t>person must write one idea on the board</a:t>
+                      </a:r>
+                      <a:r>
+                        <a:rPr lang="en-US" sz="1200" dirty="0" smtClean="0">
+                          <a:effectLst/>
+                          <a:latin typeface="Cambria"/>
+                          <a:ea typeface="ＭＳ 明朝"/>
+                          <a:cs typeface="Times New Roman"/>
+                        </a:rPr>
+                        <a:t>.</a:t>
+                      </a:r>
+                    </a:p>
+                    <a:p>
+                      <a:pPr marL="400050" marR="0" indent="-171450" algn="l" defTabSz="457200" rtl="0" eaLnBrk="1" fontAlgn="auto" latinLnBrk="0" hangingPunct="1">
+                        <a:lnSpc>
+                          <a:spcPct val="100000"/>
+                        </a:lnSpc>
+                        <a:spcBef>
+                          <a:spcPts val="0"/>
+                        </a:spcBef>
+                        <a:spcAft>
+                          <a:spcPts val="0"/>
+                        </a:spcAft>
+                        <a:buClrTx/>
+                        <a:buSzTx/>
+                        <a:buFont typeface="Arial"/>
+                        <a:buChar char="•"/>
+                        <a:tabLst/>
+                        <a:defRPr/>
+                      </a:pPr>
+                      <a:r>
+                        <a:rPr lang="en-US" sz="1200" dirty="0" smtClean="0">
+                          <a:effectLst/>
+                          <a:latin typeface="Cambria"/>
+                          <a:ea typeface="ＭＳ 明朝"/>
+                          <a:cs typeface="Times New Roman"/>
+                        </a:rPr>
+                        <a:t>Each person shares an idea they are working on. If he</a:t>
+                      </a:r>
+                      <a:r>
+                        <a:rPr lang="en-US" sz="1200" baseline="0" dirty="0" smtClean="0">
+                          <a:effectLst/>
+                          <a:latin typeface="Cambria"/>
+                          <a:ea typeface="ＭＳ 明朝"/>
+                          <a:cs typeface="Times New Roman"/>
+                        </a:rPr>
+                        <a:t> or she is ready the </a:t>
+                      </a:r>
+                      <a:r>
+                        <a:rPr lang="en-US" sz="1200" dirty="0" smtClean="0">
+                          <a:effectLst/>
+                          <a:latin typeface="Cambria"/>
+                          <a:ea typeface="ＭＳ 明朝"/>
+                          <a:cs typeface="Times New Roman"/>
+                        </a:rPr>
+                        <a:t>organizer will add them to the calendar.</a:t>
+                      </a:r>
+                      <a:endParaRPr lang="en-US" sz="1200" dirty="0">
+                        <a:effectLst/>
+                        <a:latin typeface="Cambria"/>
+                        <a:ea typeface="ＭＳ 明朝"/>
+                        <a:cs typeface="Times New Roman"/>
+                      </a:endParaRPr>
                     </a:p>
                     <a:p>
                       <a:pPr marL="0" marR="0">
@@ -3711,7 +3805,7 @@
                   <a:tcPr marL="68580" marR="68580" marT="0" marB="0" anchor="ctr"/>
                 </a:tc>
               </a:tr>
-              <a:tr h="2811517">
+              <a:tr h="3160553">
                 <a:tc>
                   <a:txBody>
                     <a:bodyPr/>
@@ -3878,8 +3972,20 @@
                           <a:ea typeface="ＭＳ 明朝"/>
                           <a:cs typeface="Times New Roman"/>
                         </a:rPr>
-                        <a:t>award</a:t>
-                      </a:r>
+                        <a:t>award. </a:t>
+                      </a:r>
+                    </a:p>
+                    <a:p>
+                      <a:pPr marL="400050" marR="0" indent="-171450">
+                        <a:spcBef>
+                          <a:spcPts val="0"/>
+                        </a:spcBef>
+                        <a:spcAft>
+                          <a:spcPts val="0"/>
+                        </a:spcAft>
+                        <a:buFont typeface="Arial"/>
+                        <a:buChar char="•"/>
+                      </a:pPr>
                       <a:r>
                         <a:rPr lang="en-US" sz="1200" dirty="0" smtClean="0">
                           <a:effectLst/>
@@ -3887,7 +3993,16 @@
                           <a:ea typeface="ＭＳ 明朝"/>
                           <a:cs typeface="Times New Roman"/>
                         </a:rPr>
-                        <a:t>. </a:t>
+                        <a:t>Presenter </a:t>
+                      </a:r>
+                      <a:r>
+                        <a:rPr lang="en-US" sz="1200" dirty="0">
+                          <a:effectLst/>
+                          <a:latin typeface="Cambria"/>
+                          <a:ea typeface="ＭＳ 明朝"/>
+                          <a:cs typeface="Times New Roman"/>
+                        </a:rPr>
+                        <a:t>commits to adding an idea and representing within a month. </a:t>
                       </a:r>
                       <a:endParaRPr lang="en-US" sz="1200" dirty="0" smtClean="0">
                         <a:effectLst/>
@@ -3914,52 +4029,7 @@
                           <a:ea typeface="ＭＳ 明朝"/>
                           <a:cs typeface="Times New Roman"/>
                         </a:rPr>
-                        <a:t>Presenter </a:t>
-                      </a:r>
-                      <a:r>
-                        <a:rPr lang="en-US" sz="1200" dirty="0">
-                          <a:effectLst/>
-                          <a:latin typeface="Cambria"/>
-                          <a:ea typeface="ＭＳ 明朝"/>
-                          <a:cs typeface="Times New Roman"/>
-                        </a:rPr>
-                        <a:t>commits to adding an idea and representing within a month. </a:t>
-                      </a:r>
-                      <a:endParaRPr lang="en-US" sz="1200" dirty="0" smtClean="0">
-                        <a:effectLst/>
-                        <a:latin typeface="Cambria"/>
-                        <a:ea typeface="ＭＳ 明朝"/>
-                        <a:cs typeface="Times New Roman"/>
-                      </a:endParaRPr>
-                    </a:p>
-                    <a:p>
-                      <a:pPr marL="400050" marR="0" indent="-171450">
-                        <a:spcBef>
-                          <a:spcPts val="0"/>
-                        </a:spcBef>
-                        <a:spcAft>
-                          <a:spcPts val="0"/>
-                        </a:spcAft>
-                        <a:buFont typeface="Arial"/>
-                        <a:buChar char="•"/>
-                      </a:pPr>
-                      <a:r>
-                        <a:rPr lang="en-US" sz="1200" dirty="0" smtClean="0">
-                          <a:effectLst/>
-                          <a:latin typeface="Cambria"/>
-                          <a:ea typeface="ＭＳ 明朝"/>
-                          <a:cs typeface="Times New Roman"/>
-                        </a:rPr>
-                        <a:t>Presenter </a:t>
-                      </a:r>
-                      <a:r>
-                        <a:rPr lang="en-US" sz="1200" dirty="0" smtClean="0">
-                          <a:effectLst/>
-                          <a:latin typeface="Cambria"/>
-                          <a:ea typeface="ＭＳ 明朝"/>
-                          <a:cs typeface="Times New Roman"/>
-                        </a:rPr>
-                        <a:t>agrees to a </a:t>
+                        <a:t>Presenter agrees to a </a:t>
                       </a:r>
                       <a:r>
                         <a:rPr lang="en-US" sz="1200" dirty="0">
@@ -3988,178 +4058,6 @@
                           <a:cs typeface="Times New Roman"/>
                         </a:rPr>
                         <a:t> </a:t>
-                      </a:r>
-                    </a:p>
-                  </a:txBody>
-                  <a:tcPr marL="68580" marR="68580" marT="0" marB="0" anchor="ctr"/>
-                </a:tc>
-              </a:tr>
-              <a:tr h="1151017">
-                <a:tc>
-                  <a:txBody>
-                    <a:bodyPr/>
-                    <a:lstStyle/>
-                    <a:p>
-                      <a:pPr marL="0" marR="0" algn="ctr">
-                        <a:spcBef>
-                          <a:spcPts val="0"/>
-                        </a:spcBef>
-                        <a:spcAft>
-                          <a:spcPts val="0"/>
-                        </a:spcAft>
-                      </a:pPr>
-                      <a:r>
-                        <a:rPr lang="en-US" sz="1200" dirty="0">
-                          <a:effectLst/>
-                          <a:latin typeface="Cambria"/>
-                          <a:ea typeface="ＭＳ 明朝"/>
-                          <a:cs typeface="Times New Roman"/>
-                        </a:rPr>
-                        <a:t> </a:t>
-                      </a:r>
-                      <a:r>
-                        <a:rPr lang="en-US" sz="1200" dirty="0" smtClean="0">
-                          <a:effectLst/>
-                          <a:latin typeface="Cambria"/>
-                          <a:ea typeface="ＭＳ 明朝"/>
-                          <a:cs typeface="Times New Roman"/>
-                        </a:rPr>
-                        <a:t>Open </a:t>
-                      </a:r>
-                      <a:r>
-                        <a:rPr lang="en-US" sz="1200" dirty="0">
-                          <a:effectLst/>
-                          <a:latin typeface="Cambria"/>
-                          <a:ea typeface="ＭＳ 明朝"/>
-                          <a:cs typeface="Times New Roman"/>
-                        </a:rPr>
-                        <a:t>Talk</a:t>
-                      </a:r>
-                    </a:p>
-                  </a:txBody>
-                  <a:tcPr marL="68580" marR="68580" marT="0" marB="0" anchor="ctr"/>
-                </a:tc>
-                <a:tc>
-                  <a:txBody>
-                    <a:bodyPr/>
-                    <a:lstStyle/>
-                    <a:p>
-                      <a:pPr marL="0" marR="0" algn="ctr">
-                        <a:spcBef>
-                          <a:spcPts val="0"/>
-                        </a:spcBef>
-                        <a:spcAft>
-                          <a:spcPts val="0"/>
-                        </a:spcAft>
-                      </a:pPr>
-                      <a:r>
-                        <a:rPr lang="en-US" sz="1200">
-                          <a:effectLst/>
-                          <a:latin typeface="Cambria"/>
-                          <a:ea typeface="ＭＳ 明朝"/>
-                          <a:cs typeface="Times New Roman"/>
-                        </a:rPr>
-                        <a:t> </a:t>
-                      </a:r>
-                      <a:r>
-                        <a:rPr lang="en-US" sz="1200" smtClean="0">
-                          <a:effectLst/>
-                          <a:latin typeface="Cambria"/>
-                          <a:ea typeface="ＭＳ 明朝"/>
-                          <a:cs typeface="Times New Roman"/>
-                        </a:rPr>
-                        <a:t>10 </a:t>
-                      </a:r>
-                      <a:r>
-                        <a:rPr lang="en-US" sz="1200" dirty="0">
-                          <a:effectLst/>
-                          <a:latin typeface="Cambria"/>
-                          <a:ea typeface="ＭＳ 明朝"/>
-                          <a:cs typeface="Times New Roman"/>
-                        </a:rPr>
-                        <a:t>minutes</a:t>
-                      </a:r>
-                    </a:p>
-                  </a:txBody>
-                  <a:tcPr marL="68580" marR="68580" marT="0" marB="0" anchor="ctr"/>
-                </a:tc>
-                <a:tc>
-                  <a:txBody>
-                    <a:bodyPr/>
-                    <a:lstStyle/>
-                    <a:p>
-                      <a:pPr marL="400050" marR="0" indent="-171450">
-                        <a:spcBef>
-                          <a:spcPts val="0"/>
-                        </a:spcBef>
-                        <a:spcAft>
-                          <a:spcPts val="0"/>
-                        </a:spcAft>
-                        <a:buFont typeface="Arial"/>
-                        <a:buChar char="•"/>
-                      </a:pPr>
-                      <a:r>
-                        <a:rPr lang="en-US" sz="1200" dirty="0" smtClean="0">
-                          <a:effectLst/>
-                          <a:latin typeface="Cambria"/>
-                          <a:ea typeface="ＭＳ 明朝"/>
-                          <a:cs typeface="Times New Roman"/>
-                        </a:rPr>
-                        <a:t>Each </a:t>
-                      </a:r>
-                      <a:r>
-                        <a:rPr lang="en-US" sz="1200" dirty="0">
-                          <a:effectLst/>
-                          <a:latin typeface="Cambria"/>
-                          <a:ea typeface="ＭＳ 明朝"/>
-                          <a:cs typeface="Times New Roman"/>
-                        </a:rPr>
-                        <a:t>person shares an idea they are working on. </a:t>
-                      </a:r>
-                      <a:r>
-                        <a:rPr lang="en-US" sz="1200" dirty="0" smtClean="0">
-                          <a:effectLst/>
-                          <a:latin typeface="Cambria"/>
-                          <a:ea typeface="ＭＳ 明朝"/>
-                          <a:cs typeface="Times New Roman"/>
-                        </a:rPr>
-                        <a:t>If he</a:t>
-                      </a:r>
-                      <a:r>
-                        <a:rPr lang="en-US" sz="1200" baseline="0" dirty="0" smtClean="0">
-                          <a:effectLst/>
-                          <a:latin typeface="Cambria"/>
-                          <a:ea typeface="ＭＳ 明朝"/>
-                          <a:cs typeface="Times New Roman"/>
-                        </a:rPr>
-                        <a:t> or she is </a:t>
-                      </a:r>
-                      <a:r>
-                        <a:rPr lang="en-US" sz="1200" baseline="0" smtClean="0">
-                          <a:effectLst/>
-                          <a:latin typeface="Cambria"/>
-                          <a:ea typeface="ＭＳ 明朝"/>
-                          <a:cs typeface="Times New Roman"/>
-                        </a:rPr>
-                        <a:t>ready the </a:t>
-                      </a:r>
-                      <a:r>
-                        <a:rPr lang="en-US" sz="1200" smtClean="0">
-                          <a:effectLst/>
-                          <a:latin typeface="Cambria"/>
-                          <a:ea typeface="ＭＳ 明朝"/>
-                          <a:cs typeface="Times New Roman"/>
-                        </a:rPr>
-                        <a:t>organizer </a:t>
-                      </a:r>
-                      <a:r>
-                        <a:rPr lang="en-US" sz="1200" dirty="0">
-                          <a:effectLst/>
-                          <a:latin typeface="Cambria"/>
-                          <a:ea typeface="ＭＳ 明朝"/>
-                          <a:cs typeface="Times New Roman"/>
-                        </a:rPr>
-                        <a:t>will add them to the calendar.</a:t>
                       </a:r>
                     </a:p>
                   </a:txBody>
